--- a/.NET 리소스 관리.pptx
+++ b/.NET 리소스 관리.pptx
@@ -9,7 +9,8 @@
     <p:sldId id="258" r:id="rId3"/>
     <p:sldId id="257" r:id="rId4"/>
     <p:sldId id="259" r:id="rId5"/>
-    <p:sldId id="260" r:id="rId6"/>
+    <p:sldId id="261" r:id="rId6"/>
+    <p:sldId id="260" r:id="rId7"/>
   </p:sldIdLst>
   <p:sldSz cx="12192000" cy="6858000"/>
   <p:notesSz cx="6858000" cy="9144000"/>
@@ -128,6 +129,53 @@
 <file path=ppt/changesInfos/changesInfo1.xml><?xml version="1.0" encoding="utf-8"?>
 <pc:chgInfo xmlns:a="http://schemas.openxmlformats.org/drawingml/2006/main" xmlns:r="http://schemas.openxmlformats.org/officeDocument/2006/relationships" xmlns:ac="http://schemas.microsoft.com/office/drawing/2013/main/command" xmlns:pc="http://schemas.microsoft.com/office/powerpoint/2013/main/command">
   <pc:docChgLst>
+    <pc:chgData name="Lee SangDae" userId="7a5b1c0bd351622e" providerId="LiveId" clId="{A402AD95-F8B9-4BE1-AED2-0DB5DBB950CF}"/>
+    <pc:docChg chg="undo addSld modSld">
+      <pc:chgData name="Lee SangDae" userId="7a5b1c0bd351622e" providerId="LiveId" clId="{A402AD95-F8B9-4BE1-AED2-0DB5DBB950CF}" dt="2018-10-11T07:20:12.656" v="300" actId="20577"/>
+      <pc:docMkLst>
+        <pc:docMk/>
+      </pc:docMkLst>
+      <pc:sldChg chg="modSp">
+        <pc:chgData name="Lee SangDae" userId="7a5b1c0bd351622e" providerId="LiveId" clId="{A402AD95-F8B9-4BE1-AED2-0DB5DBB950CF}" dt="2018-10-11T00:32:21.991" v="254" actId="20577"/>
+        <pc:sldMkLst>
+          <pc:docMk/>
+          <pc:sldMk cId="3058554344" sldId="259"/>
+        </pc:sldMkLst>
+        <pc:spChg chg="mod">
+          <ac:chgData name="Lee SangDae" userId="7a5b1c0bd351622e" providerId="LiveId" clId="{A402AD95-F8B9-4BE1-AED2-0DB5DBB950CF}" dt="2018-10-11T00:32:21.991" v="254" actId="20577"/>
+          <ac:spMkLst>
+            <pc:docMk/>
+            <pc:sldMk cId="3058554344" sldId="259"/>
+            <ac:spMk id="3" creationId="{9CB89B49-0C4B-409C-B900-DC8F32B3114C}"/>
+          </ac:spMkLst>
+        </pc:spChg>
+      </pc:sldChg>
+      <pc:sldChg chg="modSp add">
+        <pc:chgData name="Lee SangDae" userId="7a5b1c0bd351622e" providerId="LiveId" clId="{A402AD95-F8B9-4BE1-AED2-0DB5DBB950CF}" dt="2018-10-11T07:20:12.656" v="300" actId="20577"/>
+        <pc:sldMkLst>
+          <pc:docMk/>
+          <pc:sldMk cId="2905803045" sldId="260"/>
+        </pc:sldMkLst>
+        <pc:spChg chg="mod">
+          <ac:chgData name="Lee SangDae" userId="7a5b1c0bd351622e" providerId="LiveId" clId="{A402AD95-F8B9-4BE1-AED2-0DB5DBB950CF}" dt="2018-10-11T07:19:57.444" v="269" actId="20577"/>
+          <ac:spMkLst>
+            <pc:docMk/>
+            <pc:sldMk cId="2905803045" sldId="260"/>
+            <ac:spMk id="2" creationId="{D42712C7-F9D1-430D-A396-316C6DBC3B07}"/>
+          </ac:spMkLst>
+        </pc:spChg>
+        <pc:spChg chg="mod">
+          <ac:chgData name="Lee SangDae" userId="7a5b1c0bd351622e" providerId="LiveId" clId="{A402AD95-F8B9-4BE1-AED2-0DB5DBB950CF}" dt="2018-10-11T07:20:12.656" v="300" actId="20577"/>
+          <ac:spMkLst>
+            <pc:docMk/>
+            <pc:sldMk cId="2905803045" sldId="260"/>
+            <ac:spMk id="3" creationId="{2A9E4E89-E6BD-477E-AEE9-A3343AF01F6C}"/>
+          </ac:spMkLst>
+        </pc:spChg>
+      </pc:sldChg>
+    </pc:docChg>
+  </pc:docChgLst>
+  <pc:docChgLst>
     <pc:chgData name="Lee SangDae" userId="7a5b1c0bd351622e" providerId="LiveId" clId="{72B8EF77-E1CD-400C-91A5-1706676A6E9E}"/>
     <pc:docChg chg="undo custSel addSld modSld">
       <pc:chgData name="Lee SangDae" userId="7a5b1c0bd351622e" providerId="LiveId" clId="{72B8EF77-E1CD-400C-91A5-1706676A6E9E}" dt="2018-10-10T08:25:50.062" v="758" actId="20577"/>
@@ -220,53 +268,6 @@
       </pc:sldChg>
     </pc:docChg>
   </pc:docChgLst>
-  <pc:docChgLst>
-    <pc:chgData name="Lee SangDae" userId="7a5b1c0bd351622e" providerId="LiveId" clId="{A402AD95-F8B9-4BE1-AED2-0DB5DBB950CF}"/>
-    <pc:docChg chg="undo addSld modSld">
-      <pc:chgData name="Lee SangDae" userId="7a5b1c0bd351622e" providerId="LiveId" clId="{A402AD95-F8B9-4BE1-AED2-0DB5DBB950CF}" dt="2018-10-11T07:20:12.656" v="300" actId="20577"/>
-      <pc:docMkLst>
-        <pc:docMk/>
-      </pc:docMkLst>
-      <pc:sldChg chg="modSp">
-        <pc:chgData name="Lee SangDae" userId="7a5b1c0bd351622e" providerId="LiveId" clId="{A402AD95-F8B9-4BE1-AED2-0DB5DBB950CF}" dt="2018-10-11T00:32:21.991" v="254" actId="20577"/>
-        <pc:sldMkLst>
-          <pc:docMk/>
-          <pc:sldMk cId="3058554344" sldId="259"/>
-        </pc:sldMkLst>
-        <pc:spChg chg="mod">
-          <ac:chgData name="Lee SangDae" userId="7a5b1c0bd351622e" providerId="LiveId" clId="{A402AD95-F8B9-4BE1-AED2-0DB5DBB950CF}" dt="2018-10-11T00:32:21.991" v="254" actId="20577"/>
-          <ac:spMkLst>
-            <pc:docMk/>
-            <pc:sldMk cId="3058554344" sldId="259"/>
-            <ac:spMk id="3" creationId="{9CB89B49-0C4B-409C-B900-DC8F32B3114C}"/>
-          </ac:spMkLst>
-        </pc:spChg>
-      </pc:sldChg>
-      <pc:sldChg chg="modSp add">
-        <pc:chgData name="Lee SangDae" userId="7a5b1c0bd351622e" providerId="LiveId" clId="{A402AD95-F8B9-4BE1-AED2-0DB5DBB950CF}" dt="2018-10-11T07:20:12.656" v="300" actId="20577"/>
-        <pc:sldMkLst>
-          <pc:docMk/>
-          <pc:sldMk cId="2905803045" sldId="260"/>
-        </pc:sldMkLst>
-        <pc:spChg chg="mod">
-          <ac:chgData name="Lee SangDae" userId="7a5b1c0bd351622e" providerId="LiveId" clId="{A402AD95-F8B9-4BE1-AED2-0DB5DBB950CF}" dt="2018-10-11T07:19:57.444" v="269" actId="20577"/>
-          <ac:spMkLst>
-            <pc:docMk/>
-            <pc:sldMk cId="2905803045" sldId="260"/>
-            <ac:spMk id="2" creationId="{D42712C7-F9D1-430D-A396-316C6DBC3B07}"/>
-          </ac:spMkLst>
-        </pc:spChg>
-        <pc:spChg chg="mod">
-          <ac:chgData name="Lee SangDae" userId="7a5b1c0bd351622e" providerId="LiveId" clId="{A402AD95-F8B9-4BE1-AED2-0DB5DBB950CF}" dt="2018-10-11T07:20:12.656" v="300" actId="20577"/>
-          <ac:spMkLst>
-            <pc:docMk/>
-            <pc:sldMk cId="2905803045" sldId="260"/>
-            <ac:spMk id="3" creationId="{2A9E4E89-E6BD-477E-AEE9-A3343AF01F6C}"/>
-          </ac:spMkLst>
-        </pc:spChg>
-      </pc:sldChg>
-    </pc:docChg>
-  </pc:docChgLst>
 </pc:chgInfo>
 </file>
 
@@ -417,7 +418,7 @@
           <a:p>
             <a:fld id="{BFF4038D-7B5B-4495-A74B-64375B73F8DF}" type="datetimeFigureOut">
               <a:rPr lang="ko-KR" altLang="en-US" smtClean="0"/>
-              <a:t>2018-10-11</a:t>
+              <a:t>2018-10-14</a:t>
             </a:fld>
             <a:endParaRPr lang="ko-KR" altLang="en-US"/>
           </a:p>
@@ -615,7 +616,7 @@
           <a:p>
             <a:fld id="{BFF4038D-7B5B-4495-A74B-64375B73F8DF}" type="datetimeFigureOut">
               <a:rPr lang="ko-KR" altLang="en-US" smtClean="0"/>
-              <a:t>2018-10-11</a:t>
+              <a:t>2018-10-14</a:t>
             </a:fld>
             <a:endParaRPr lang="ko-KR" altLang="en-US"/>
           </a:p>
@@ -823,7 +824,7 @@
           <a:p>
             <a:fld id="{BFF4038D-7B5B-4495-A74B-64375B73F8DF}" type="datetimeFigureOut">
               <a:rPr lang="ko-KR" altLang="en-US" smtClean="0"/>
-              <a:t>2018-10-11</a:t>
+              <a:t>2018-10-14</a:t>
             </a:fld>
             <a:endParaRPr lang="ko-KR" altLang="en-US"/>
           </a:p>
@@ -1021,7 +1022,7 @@
           <a:p>
             <a:fld id="{BFF4038D-7B5B-4495-A74B-64375B73F8DF}" type="datetimeFigureOut">
               <a:rPr lang="ko-KR" altLang="en-US" smtClean="0"/>
-              <a:t>2018-10-11</a:t>
+              <a:t>2018-10-14</a:t>
             </a:fld>
             <a:endParaRPr lang="ko-KR" altLang="en-US"/>
           </a:p>
@@ -1296,7 +1297,7 @@
           <a:p>
             <a:fld id="{BFF4038D-7B5B-4495-A74B-64375B73F8DF}" type="datetimeFigureOut">
               <a:rPr lang="ko-KR" altLang="en-US" smtClean="0"/>
-              <a:t>2018-10-11</a:t>
+              <a:t>2018-10-14</a:t>
             </a:fld>
             <a:endParaRPr lang="ko-KR" altLang="en-US"/>
           </a:p>
@@ -1561,7 +1562,7 @@
           <a:p>
             <a:fld id="{BFF4038D-7B5B-4495-A74B-64375B73F8DF}" type="datetimeFigureOut">
               <a:rPr lang="ko-KR" altLang="en-US" smtClean="0"/>
-              <a:t>2018-10-11</a:t>
+              <a:t>2018-10-14</a:t>
             </a:fld>
             <a:endParaRPr lang="ko-KR" altLang="en-US"/>
           </a:p>
@@ -1973,7 +1974,7 @@
           <a:p>
             <a:fld id="{BFF4038D-7B5B-4495-A74B-64375B73F8DF}" type="datetimeFigureOut">
               <a:rPr lang="ko-KR" altLang="en-US" smtClean="0"/>
-              <a:t>2018-10-11</a:t>
+              <a:t>2018-10-14</a:t>
             </a:fld>
             <a:endParaRPr lang="ko-KR" altLang="en-US"/>
           </a:p>
@@ -2114,7 +2115,7 @@
           <a:p>
             <a:fld id="{BFF4038D-7B5B-4495-A74B-64375B73F8DF}" type="datetimeFigureOut">
               <a:rPr lang="ko-KR" altLang="en-US" smtClean="0"/>
-              <a:t>2018-10-11</a:t>
+              <a:t>2018-10-14</a:t>
             </a:fld>
             <a:endParaRPr lang="ko-KR" altLang="en-US"/>
           </a:p>
@@ -2227,7 +2228,7 @@
           <a:p>
             <a:fld id="{BFF4038D-7B5B-4495-A74B-64375B73F8DF}" type="datetimeFigureOut">
               <a:rPr lang="ko-KR" altLang="en-US" smtClean="0"/>
-              <a:t>2018-10-11</a:t>
+              <a:t>2018-10-14</a:t>
             </a:fld>
             <a:endParaRPr lang="ko-KR" altLang="en-US"/>
           </a:p>
@@ -2538,7 +2539,7 @@
           <a:p>
             <a:fld id="{BFF4038D-7B5B-4495-A74B-64375B73F8DF}" type="datetimeFigureOut">
               <a:rPr lang="ko-KR" altLang="en-US" smtClean="0"/>
-              <a:t>2018-10-11</a:t>
+              <a:t>2018-10-14</a:t>
             </a:fld>
             <a:endParaRPr lang="ko-KR" altLang="en-US"/>
           </a:p>
@@ -2826,7 +2827,7 @@
           <a:p>
             <a:fld id="{BFF4038D-7B5B-4495-A74B-64375B73F8DF}" type="datetimeFigureOut">
               <a:rPr lang="ko-KR" altLang="en-US" smtClean="0"/>
-              <a:t>2018-10-11</a:t>
+              <a:t>2018-10-14</a:t>
             </a:fld>
             <a:endParaRPr lang="ko-KR" altLang="en-US"/>
           </a:p>
@@ -3067,7 +3068,7 @@
           <a:p>
             <a:fld id="{BFF4038D-7B5B-4495-A74B-64375B73F8DF}" type="datetimeFigureOut">
               <a:rPr lang="ko-KR" altLang="en-US" smtClean="0"/>
-              <a:t>2018-10-11</a:t>
+              <a:t>2018-10-14</a:t>
             </a:fld>
             <a:endParaRPr lang="ko-KR" altLang="en-US"/>
           </a:p>
@@ -4000,6 +4001,212 @@
       </p:grpSpPr>
       <p:sp>
         <p:nvSpPr>
+          <p:cNvPr id="2" name="Title 1">
+            <a:extLst>
+              <a:ext uri="{FF2B5EF4-FFF2-40B4-BE49-F238E27FC236}">
+                <a16:creationId xmlns:a16="http://schemas.microsoft.com/office/drawing/2014/main" id="{21AEB859-F038-4A7E-8276-833BEF04D53B}"/>
+              </a:ext>
+            </a:extLst>
+          </p:cNvPr>
+          <p:cNvSpPr>
+            <a:spLocks noGrp="1"/>
+          </p:cNvSpPr>
+          <p:nvPr>
+            <p:ph type="title"/>
+          </p:nvPr>
+        </p:nvSpPr>
+        <p:spPr/>
+        <p:txBody>
+          <a:bodyPr/>
+          <a:lstStyle/>
+          <a:p>
+            <a:r>
+              <a:rPr lang="en-US" altLang="ko-KR" dirty="0"/>
+              <a:t>Member</a:t>
+            </a:r>
+            <a:r>
+              <a:rPr lang="ko-KR" altLang="en-US" dirty="0"/>
+              <a:t> </a:t>
+            </a:r>
+            <a:r>
+              <a:rPr lang="en-US" altLang="ko-KR" dirty="0"/>
+              <a:t>initialization</a:t>
+            </a:r>
+            <a:r>
+              <a:rPr lang="ko-KR" altLang="en-US" dirty="0"/>
+              <a:t> </a:t>
+            </a:r>
+            <a:r>
+              <a:rPr lang="en-US" altLang="ko-KR" dirty="0"/>
+              <a:t>vs.</a:t>
+            </a:r>
+            <a:r>
+              <a:rPr lang="ko-KR" altLang="en-US" dirty="0"/>
+              <a:t> </a:t>
+            </a:r>
+            <a:r>
+              <a:rPr lang="en-US" altLang="ko-KR" dirty="0"/>
+              <a:t>assignment(#12, ConsoleApp2)</a:t>
+            </a:r>
+            <a:endParaRPr lang="ko-KR" altLang="en-US" dirty="0"/>
+          </a:p>
+        </p:txBody>
+      </p:sp>
+      <p:sp>
+        <p:nvSpPr>
+          <p:cNvPr id="3" name="Content Placeholder 2">
+            <a:extLst>
+              <a:ext uri="{FF2B5EF4-FFF2-40B4-BE49-F238E27FC236}">
+                <a16:creationId xmlns:a16="http://schemas.microsoft.com/office/drawing/2014/main" id="{5713C502-C352-4293-A266-EE16BECE73EF}"/>
+              </a:ext>
+            </a:extLst>
+          </p:cNvPr>
+          <p:cNvSpPr>
+            <a:spLocks noGrp="1"/>
+          </p:cNvSpPr>
+          <p:nvPr>
+            <p:ph idx="1"/>
+          </p:nvPr>
+        </p:nvSpPr>
+        <p:spPr/>
+        <p:txBody>
+          <a:bodyPr>
+            <a:normAutofit/>
+          </a:bodyPr>
+          <a:lstStyle/>
+          <a:p>
+            <a:r>
+              <a:rPr lang="en-US" altLang="ko-KR" dirty="0"/>
+              <a:t>Member initialization</a:t>
+            </a:r>
+          </a:p>
+          <a:p>
+            <a:pPr lvl="1"/>
+            <a:r>
+              <a:rPr lang="ko-KR" altLang="en-US" dirty="0"/>
+              <a:t>생성자의 개수가 여러 개일 때</a:t>
+            </a:r>
+            <a:endParaRPr lang="en-US" altLang="ko-KR" dirty="0"/>
+          </a:p>
+          <a:p>
+            <a:pPr lvl="1"/>
+            <a:r>
+              <a:rPr lang="ko-KR" altLang="en-US" b="1" dirty="0">
+                <a:solidFill>
+                  <a:srgbClr val="FF0000"/>
+                </a:solidFill>
+              </a:rPr>
+              <a:t>어떤 생성자를 호출해도 동일한 값으로 초기화 되는 경우만 사용</a:t>
+            </a:r>
+            <a:endParaRPr lang="en-US" altLang="ko-KR" b="1" dirty="0">
+              <a:solidFill>
+                <a:srgbClr val="FF0000"/>
+              </a:solidFill>
+            </a:endParaRPr>
+          </a:p>
+          <a:p>
+            <a:r>
+              <a:rPr lang="en-US" altLang="ko-KR" dirty="0"/>
+              <a:t>Assignment</a:t>
+            </a:r>
+          </a:p>
+          <a:p>
+            <a:pPr lvl="1"/>
+            <a:r>
+              <a:rPr lang="ko-KR" altLang="en-US" dirty="0"/>
+              <a:t>객체를 </a:t>
+            </a:r>
+            <a:r>
+              <a:rPr lang="en-US" altLang="ko-KR" dirty="0"/>
+              <a:t>0 </a:t>
+            </a:r>
+            <a:r>
+              <a:rPr lang="ko-KR" altLang="en-US" dirty="0"/>
+              <a:t>또는 </a:t>
+            </a:r>
+            <a:r>
+              <a:rPr lang="en-US" altLang="ko-KR" dirty="0"/>
+              <a:t>null</a:t>
+            </a:r>
+            <a:r>
+              <a:rPr lang="ko-KR" altLang="en-US" dirty="0"/>
+              <a:t>로 초기화 하는 경우</a:t>
+            </a:r>
+            <a:endParaRPr lang="en-US" altLang="ko-KR" dirty="0"/>
+          </a:p>
+          <a:p>
+            <a:pPr lvl="1"/>
+            <a:r>
+              <a:rPr lang="ko-KR" altLang="en-US" b="1" dirty="0">
+                <a:solidFill>
+                  <a:srgbClr val="FF0000"/>
+                </a:solidFill>
+              </a:rPr>
+              <a:t>동일한 객체를 반복해서 초기화 하는 경우</a:t>
+            </a:r>
+            <a:endParaRPr lang="en-US" altLang="ko-KR" b="1" dirty="0">
+              <a:solidFill>
+                <a:srgbClr val="FF0000"/>
+              </a:solidFill>
+            </a:endParaRPr>
+          </a:p>
+          <a:p>
+            <a:pPr lvl="1"/>
+            <a:r>
+              <a:rPr lang="ko-KR" altLang="en-US" b="1" dirty="0">
+                <a:solidFill>
+                  <a:srgbClr val="FF0000"/>
+                </a:solidFill>
+              </a:rPr>
+              <a:t>예외처리가 반드시 필요한 경우</a:t>
+            </a:r>
+            <a:endParaRPr lang="en-US" altLang="ko-KR" b="1" dirty="0">
+              <a:solidFill>
+                <a:srgbClr val="FF0000"/>
+              </a:solidFill>
+            </a:endParaRPr>
+          </a:p>
+          <a:p>
+            <a:pPr lvl="1"/>
+            <a:endParaRPr lang="en-US" altLang="ko-KR" dirty="0"/>
+          </a:p>
+          <a:p>
+            <a:endParaRPr lang="ko-KR" altLang="en-US" dirty="0"/>
+          </a:p>
+        </p:txBody>
+      </p:sp>
+    </p:spTree>
+    <p:extLst>
+      <p:ext uri="{BB962C8B-B14F-4D97-AF65-F5344CB8AC3E}">
+        <p14:creationId xmlns:p14="http://schemas.microsoft.com/office/powerpoint/2010/main" val="1228373139"/>
+      </p:ext>
+    </p:extLst>
+  </p:cSld>
+  <p:clrMapOvr>
+    <a:masterClrMapping/>
+  </p:clrMapOvr>
+</p:sld>
+</file>
+
+<file path=ppt/slides/slide6.xml><?xml version="1.0" encoding="utf-8"?>
+<p:sld xmlns:a="http://schemas.openxmlformats.org/drawingml/2006/main" xmlns:r="http://schemas.openxmlformats.org/officeDocument/2006/relationships" xmlns:p="http://schemas.openxmlformats.org/presentationml/2006/main">
+  <p:cSld>
+    <p:spTree>
+      <p:nvGrpSpPr>
+        <p:cNvPr id="1" name=""/>
+        <p:cNvGrpSpPr/>
+        <p:nvPr/>
+      </p:nvGrpSpPr>
+      <p:grpSpPr>
+        <a:xfrm>
+          <a:off x="0" y="0"/>
+          <a:ext cx="0" cy="0"/>
+          <a:chOff x="0" y="0"/>
+          <a:chExt cx="0" cy="0"/>
+        </a:xfrm>
+      </p:grpSpPr>
+      <p:sp>
+        <p:nvSpPr>
           <p:cNvPr id="2" name="제목 1">
             <a:extLst>
               <a:ext uri="{FF2B5EF4-FFF2-40B4-BE49-F238E27FC236}">
